--- a/Java/Collections/Collections Chart.pptx
+++ b/Java/Collections/Collections Chart.pptx
@@ -104,6 +104,11 @@
       </a:defRPr>
     </a:lvl9pPr>
   </p:defaultTextStyle>
+  <p:extLst>
+    <p:ext uri="{EFAFB233-063F-42B5-8137-9DF3F51BA10A}">
+      <p15:sldGuideLst xmlns:p15="http://schemas.microsoft.com/office/powerpoint/2012/main"/>
+    </p:ext>
+  </p:extLst>
 </p:presentation>
 </file>
 
@@ -254,7 +259,7 @@
           <a:p>
             <a:fld id="{7030A0E0-A4B4-43E5-A5DA-119FF2D7E813}" type="datetimeFigureOut">
               <a:rPr lang="en-US" smtClean="0"/>
-              <a:t>4/1/2021</a:t>
+              <a:t>4/2/2021</a:t>
             </a:fld>
             <a:endParaRPr lang="en-US"/>
           </a:p>
@@ -452,7 +457,7 @@
           <a:p>
             <a:fld id="{7030A0E0-A4B4-43E5-A5DA-119FF2D7E813}" type="datetimeFigureOut">
               <a:rPr lang="en-US" smtClean="0"/>
-              <a:t>4/1/2021</a:t>
+              <a:t>4/2/2021</a:t>
             </a:fld>
             <a:endParaRPr lang="en-US"/>
           </a:p>
@@ -660,7 +665,7 @@
           <a:p>
             <a:fld id="{7030A0E0-A4B4-43E5-A5DA-119FF2D7E813}" type="datetimeFigureOut">
               <a:rPr lang="en-US" smtClean="0"/>
-              <a:t>4/1/2021</a:t>
+              <a:t>4/2/2021</a:t>
             </a:fld>
             <a:endParaRPr lang="en-US"/>
           </a:p>
@@ -858,7 +863,7 @@
           <a:p>
             <a:fld id="{7030A0E0-A4B4-43E5-A5DA-119FF2D7E813}" type="datetimeFigureOut">
               <a:rPr lang="en-US" smtClean="0"/>
-              <a:t>4/1/2021</a:t>
+              <a:t>4/2/2021</a:t>
             </a:fld>
             <a:endParaRPr lang="en-US"/>
           </a:p>
@@ -1133,7 +1138,7 @@
           <a:p>
             <a:fld id="{7030A0E0-A4B4-43E5-A5DA-119FF2D7E813}" type="datetimeFigureOut">
               <a:rPr lang="en-US" smtClean="0"/>
-              <a:t>4/1/2021</a:t>
+              <a:t>4/2/2021</a:t>
             </a:fld>
             <a:endParaRPr lang="en-US"/>
           </a:p>
@@ -1398,7 +1403,7 @@
           <a:p>
             <a:fld id="{7030A0E0-A4B4-43E5-A5DA-119FF2D7E813}" type="datetimeFigureOut">
               <a:rPr lang="en-US" smtClean="0"/>
-              <a:t>4/1/2021</a:t>
+              <a:t>4/2/2021</a:t>
             </a:fld>
             <a:endParaRPr lang="en-US"/>
           </a:p>
@@ -1810,7 +1815,7 @@
           <a:p>
             <a:fld id="{7030A0E0-A4B4-43E5-A5DA-119FF2D7E813}" type="datetimeFigureOut">
               <a:rPr lang="en-US" smtClean="0"/>
-              <a:t>4/1/2021</a:t>
+              <a:t>4/2/2021</a:t>
             </a:fld>
             <a:endParaRPr lang="en-US"/>
           </a:p>
@@ -1951,7 +1956,7 @@
           <a:p>
             <a:fld id="{7030A0E0-A4B4-43E5-A5DA-119FF2D7E813}" type="datetimeFigureOut">
               <a:rPr lang="en-US" smtClean="0"/>
-              <a:t>4/1/2021</a:t>
+              <a:t>4/2/2021</a:t>
             </a:fld>
             <a:endParaRPr lang="en-US"/>
           </a:p>
@@ -2064,7 +2069,7 @@
           <a:p>
             <a:fld id="{7030A0E0-A4B4-43E5-A5DA-119FF2D7E813}" type="datetimeFigureOut">
               <a:rPr lang="en-US" smtClean="0"/>
-              <a:t>4/1/2021</a:t>
+              <a:t>4/2/2021</a:t>
             </a:fld>
             <a:endParaRPr lang="en-US"/>
           </a:p>
@@ -2375,7 +2380,7 @@
           <a:p>
             <a:fld id="{7030A0E0-A4B4-43E5-A5DA-119FF2D7E813}" type="datetimeFigureOut">
               <a:rPr lang="en-US" smtClean="0"/>
-              <a:t>4/1/2021</a:t>
+              <a:t>4/2/2021</a:t>
             </a:fld>
             <a:endParaRPr lang="en-US"/>
           </a:p>
@@ -2663,7 +2668,7 @@
           <a:p>
             <a:fld id="{7030A0E0-A4B4-43E5-A5DA-119FF2D7E813}" type="datetimeFigureOut">
               <a:rPr lang="en-US" smtClean="0"/>
-              <a:t>4/1/2021</a:t>
+              <a:t>4/2/2021</a:t>
             </a:fld>
             <a:endParaRPr lang="en-US"/>
           </a:p>
@@ -2904,7 +2909,7 @@
           <a:p>
             <a:fld id="{7030A0E0-A4B4-43E5-A5DA-119FF2D7E813}" type="datetimeFigureOut">
               <a:rPr lang="en-US" smtClean="0"/>
-              <a:t>4/1/2021</a:t>
+              <a:t>4/2/2021</a:t>
             </a:fld>
             <a:endParaRPr lang="en-US"/>
           </a:p>
@@ -3353,10 +3358,9 @@
           <a:p>
             <a:pPr algn="ctr"/>
             <a:r>
-              <a:rPr lang="en-US" dirty="0" err="1"/>
+              <a:rPr lang="en-US" dirty="0"/>
               <a:t>Iterable</a:t>
             </a:r>
-            <a:endParaRPr lang="en-US" dirty="0"/>
           </a:p>
         </p:txBody>
       </p:sp>
@@ -3544,10 +3548,9 @@
           <a:p>
             <a:pPr algn="ctr"/>
             <a:r>
-              <a:rPr lang="en-US" dirty="0" err="1"/>
+              <a:rPr lang="en-US" dirty="0"/>
               <a:t>SortedSet</a:t>
             </a:r>
-            <a:endParaRPr lang="en-US" dirty="0"/>
           </a:p>
         </p:txBody>
       </p:sp>
@@ -3621,10 +3624,9 @@
           <a:p>
             <a:pPr algn="ctr"/>
             <a:r>
-              <a:rPr lang="en-US" dirty="0" err="1"/>
+              <a:rPr lang="en-US" dirty="0"/>
               <a:t>LinkedHashSet</a:t>
             </a:r>
-            <a:endParaRPr lang="en-US" dirty="0"/>
           </a:p>
         </p:txBody>
       </p:sp>
@@ -3660,10 +3662,9 @@
           <a:p>
             <a:pPr algn="ctr"/>
             <a:r>
-              <a:rPr lang="en-US" dirty="0" err="1"/>
+              <a:rPr lang="en-US" dirty="0"/>
               <a:t>TreeSet</a:t>
             </a:r>
-            <a:endParaRPr lang="en-US" dirty="0"/>
           </a:p>
         </p:txBody>
       </p:sp>
@@ -3699,10 +3700,9 @@
           <a:p>
             <a:pPr algn="ctr"/>
             <a:r>
-              <a:rPr lang="en-US" dirty="0" err="1"/>
+              <a:rPr lang="en-US" dirty="0"/>
               <a:t>ArrayList</a:t>
             </a:r>
-            <a:endParaRPr lang="en-US" dirty="0"/>
           </a:p>
         </p:txBody>
       </p:sp>
@@ -3830,15 +3830,16 @@
             </a:extLst>
           </p:cNvPr>
           <p:cNvCxnSpPr>
-            <a:stCxn id="5" idx="1"/>
+            <a:cxnSpLocks/>
+            <a:stCxn id="6" idx="1"/>
             <a:endCxn id="7" idx="0"/>
           </p:cNvCxnSpPr>
           <p:nvPr/>
         </p:nvCxnSpPr>
         <p:spPr>
           <a:xfrm rot="10800000" flipV="1">
-            <a:off x="2641600" y="635516"/>
-            <a:ext cx="2381250" cy="1028184"/>
+            <a:off x="2641600" y="1232416"/>
+            <a:ext cx="2266950" cy="431284"/>
           </a:xfrm>
           <a:prstGeom prst="bentConnector2">
             <a:avLst/>
@@ -3956,15 +3957,16 @@
             </a:extLst>
           </p:cNvPr>
           <p:cNvCxnSpPr>
-            <a:stCxn id="5" idx="3"/>
+            <a:cxnSpLocks/>
+            <a:stCxn id="6" idx="3"/>
             <a:endCxn id="9" idx="0"/>
           </p:cNvCxnSpPr>
           <p:nvPr/>
         </p:nvCxnSpPr>
         <p:spPr>
           <a:xfrm>
-            <a:off x="5949950" y="635516"/>
-            <a:ext cx="2863850" cy="1009134"/>
+            <a:off x="6064250" y="1232416"/>
+            <a:ext cx="2749550" cy="412234"/>
           </a:xfrm>
           <a:prstGeom prst="bentConnector2">
             <a:avLst/>
@@ -4380,7 +4382,7 @@
         </p:nvSpPr>
         <p:spPr>
           <a:xfrm>
-            <a:off x="9509760" y="2467142"/>
+            <a:off x="8995410" y="2480782"/>
             <a:ext cx="1620520" cy="369332"/>
           </a:xfrm>
           <a:prstGeom prst="rect">
@@ -4398,10 +4400,9 @@
           <a:p>
             <a:pPr algn="ctr"/>
             <a:r>
-              <a:rPr lang="en-US" dirty="0" err="1"/>
+              <a:rPr lang="en-US" dirty="0"/>
               <a:t>PriorityQueue</a:t>
             </a:r>
-            <a:endParaRPr lang="en-US" dirty="0"/>
           </a:p>
         </p:txBody>
       </p:sp>
@@ -4424,11 +4425,11 @@
         <p:spPr>
           <a:xfrm>
             <a:off x="9391650" y="1829316"/>
-            <a:ext cx="1738630" cy="822492"/>
+            <a:ext cx="1224280" cy="836132"/>
           </a:xfrm>
           <a:prstGeom prst="bentConnector3">
             <a:avLst>
-              <a:gd name="adj1" fmla="val 113148"/>
+              <a:gd name="adj1" fmla="val 118672"/>
             </a:avLst>
           </a:prstGeom>
           <a:ln>
@@ -4524,10 +4525,9 @@
           <a:p>
             <a:pPr algn="ctr"/>
             <a:r>
-              <a:rPr lang="en-US" dirty="0" err="1"/>
+              <a:rPr lang="en-US" dirty="0"/>
               <a:t>ArrayDeque</a:t>
             </a:r>
-            <a:endParaRPr lang="en-US" dirty="0"/>
           </a:p>
         </p:txBody>
       </p:sp>
@@ -4573,6 +4573,289 @@
           </a:fontRef>
         </p:style>
       </p:cxnSp>
+      <p:sp>
+        <p:nvSpPr>
+          <p:cNvPr id="2" name="TextBox 1">
+            <a:extLst>
+              <a:ext uri="{FF2B5EF4-FFF2-40B4-BE49-F238E27FC236}">
+                <a16:creationId xmlns:a16="http://schemas.microsoft.com/office/drawing/2014/main" id="{2C496BFA-89C8-48EF-9C94-8AAF4F1C6A58}"/>
+              </a:ext>
+            </a:extLst>
+          </p:cNvPr>
+          <p:cNvSpPr txBox="1"/>
+          <p:nvPr/>
+        </p:nvSpPr>
+        <p:spPr>
+          <a:xfrm>
+            <a:off x="6064250" y="1592232"/>
+            <a:ext cx="1289050" cy="400110"/>
+          </a:xfrm>
+          <a:prstGeom prst="rect">
+            <a:avLst/>
+          </a:prstGeom>
+          <a:noFill/>
+        </p:spPr>
+        <p:txBody>
+          <a:bodyPr wrap="square" rtlCol="0">
+            <a:spAutoFit/>
+          </a:bodyPr>
+          <a:lstStyle/>
+          <a:p>
+            <a:r>
+              <a:rPr lang="en-US" sz="1000" dirty="0"/>
+              <a:t>- Ordered</a:t>
+            </a:r>
+          </a:p>
+          <a:p>
+            <a:r>
+              <a:rPr lang="en-US" sz="1000" dirty="0"/>
+              <a:t>- Duplicates Allowed</a:t>
+            </a:r>
+          </a:p>
+        </p:txBody>
+      </p:sp>
+      <p:sp>
+        <p:nvSpPr>
+          <p:cNvPr id="34" name="TextBox 33">
+            <a:extLst>
+              <a:ext uri="{FF2B5EF4-FFF2-40B4-BE49-F238E27FC236}">
+                <a16:creationId xmlns:a16="http://schemas.microsoft.com/office/drawing/2014/main" id="{60457324-AC5F-4F53-A6EB-7B672A10E17D}"/>
+              </a:ext>
+            </a:extLst>
+          </p:cNvPr>
+          <p:cNvSpPr txBox="1"/>
+          <p:nvPr/>
+        </p:nvSpPr>
+        <p:spPr>
+          <a:xfrm>
+            <a:off x="6283324" y="2575093"/>
+            <a:ext cx="1405245" cy="400110"/>
+          </a:xfrm>
+          <a:prstGeom prst="rect">
+            <a:avLst/>
+          </a:prstGeom>
+          <a:noFill/>
+        </p:spPr>
+        <p:txBody>
+          <a:bodyPr wrap="square" rtlCol="0">
+            <a:spAutoFit/>
+          </a:bodyPr>
+          <a:lstStyle/>
+          <a:p>
+            <a:r>
+              <a:rPr lang="en-US" sz="1000" dirty="0"/>
+              <a:t>- Non Synchronized</a:t>
+            </a:r>
+          </a:p>
+          <a:p>
+            <a:r>
+              <a:rPr lang="en-US" sz="1000" dirty="0"/>
+              <a:t>- Randomly Accessible</a:t>
+            </a:r>
+          </a:p>
+        </p:txBody>
+      </p:sp>
+      <p:sp>
+        <p:nvSpPr>
+          <p:cNvPr id="36" name="TextBox 35">
+            <a:extLst>
+              <a:ext uri="{FF2B5EF4-FFF2-40B4-BE49-F238E27FC236}">
+                <a16:creationId xmlns:a16="http://schemas.microsoft.com/office/drawing/2014/main" id="{E84EF80F-50EA-426A-8D18-981A07EB32BE}"/>
+              </a:ext>
+            </a:extLst>
+          </p:cNvPr>
+          <p:cNvSpPr txBox="1"/>
+          <p:nvPr/>
+        </p:nvSpPr>
+        <p:spPr>
+          <a:xfrm>
+            <a:off x="6307142" y="3143190"/>
+            <a:ext cx="1405245" cy="400110"/>
+          </a:xfrm>
+          <a:prstGeom prst="rect">
+            <a:avLst/>
+          </a:prstGeom>
+          <a:noFill/>
+        </p:spPr>
+        <p:txBody>
+          <a:bodyPr wrap="square" rtlCol="0">
+            <a:spAutoFit/>
+          </a:bodyPr>
+          <a:lstStyle/>
+          <a:p>
+            <a:r>
+              <a:rPr lang="en-US" sz="1000" dirty="0"/>
+              <a:t>- Non Synchronized</a:t>
+            </a:r>
+          </a:p>
+          <a:p>
+            <a:r>
+              <a:rPr lang="en-US" sz="1000" dirty="0"/>
+              <a:t>- Directional Access</a:t>
+            </a:r>
+          </a:p>
+        </p:txBody>
+      </p:sp>
+      <p:sp>
+        <p:nvSpPr>
+          <p:cNvPr id="38" name="TextBox 37">
+            <a:extLst>
+              <a:ext uri="{FF2B5EF4-FFF2-40B4-BE49-F238E27FC236}">
+                <a16:creationId xmlns:a16="http://schemas.microsoft.com/office/drawing/2014/main" id="{5EAA91E1-85A5-4116-AF01-3234AC74FF28}"/>
+              </a:ext>
+            </a:extLst>
+          </p:cNvPr>
+          <p:cNvSpPr txBox="1"/>
+          <p:nvPr/>
+        </p:nvSpPr>
+        <p:spPr>
+          <a:xfrm>
+            <a:off x="6307142" y="3758624"/>
+            <a:ext cx="1405245" cy="246221"/>
+          </a:xfrm>
+          <a:prstGeom prst="rect">
+            <a:avLst/>
+          </a:prstGeom>
+          <a:noFill/>
+        </p:spPr>
+        <p:txBody>
+          <a:bodyPr wrap="square" rtlCol="0">
+            <a:spAutoFit/>
+          </a:bodyPr>
+          <a:lstStyle/>
+          <a:p>
+            <a:r>
+              <a:rPr lang="en-US" sz="1000" dirty="0"/>
+              <a:t>- Synchronized</a:t>
+            </a:r>
+          </a:p>
+        </p:txBody>
+      </p:sp>
+      <p:sp>
+        <p:nvSpPr>
+          <p:cNvPr id="40" name="TextBox 39">
+            <a:extLst>
+              <a:ext uri="{FF2B5EF4-FFF2-40B4-BE49-F238E27FC236}">
+                <a16:creationId xmlns:a16="http://schemas.microsoft.com/office/drawing/2014/main" id="{8BFE0027-2799-479A-8334-8EE8F2F0015D}"/>
+              </a:ext>
+            </a:extLst>
+          </p:cNvPr>
+          <p:cNvSpPr txBox="1"/>
+          <p:nvPr/>
+        </p:nvSpPr>
+        <p:spPr>
+          <a:xfrm>
+            <a:off x="6290944" y="4349115"/>
+            <a:ext cx="1405245" cy="400110"/>
+          </a:xfrm>
+          <a:prstGeom prst="rect">
+            <a:avLst/>
+          </a:prstGeom>
+          <a:noFill/>
+        </p:spPr>
+        <p:txBody>
+          <a:bodyPr wrap="square" rtlCol="0">
+            <a:spAutoFit/>
+          </a:bodyPr>
+          <a:lstStyle/>
+          <a:p>
+            <a:r>
+              <a:rPr lang="en-US" sz="1000" dirty="0"/>
+              <a:t>- Synchronized</a:t>
+            </a:r>
+          </a:p>
+          <a:p>
+            <a:r>
+              <a:rPr lang="en-US" sz="1000" dirty="0"/>
+              <a:t>- LIFO</a:t>
+            </a:r>
+          </a:p>
+        </p:txBody>
+      </p:sp>
+      <p:sp>
+        <p:nvSpPr>
+          <p:cNvPr id="41" name="TextBox 40">
+            <a:extLst>
+              <a:ext uri="{FF2B5EF4-FFF2-40B4-BE49-F238E27FC236}">
+                <a16:creationId xmlns:a16="http://schemas.microsoft.com/office/drawing/2014/main" id="{8208EE73-A496-49DC-8344-6E657BEF0069}"/>
+              </a:ext>
+            </a:extLst>
+          </p:cNvPr>
+          <p:cNvSpPr txBox="1"/>
+          <p:nvPr/>
+        </p:nvSpPr>
+        <p:spPr>
+          <a:xfrm>
+            <a:off x="9391650" y="1359782"/>
+            <a:ext cx="1289050" cy="400110"/>
+          </a:xfrm>
+          <a:prstGeom prst="rect">
+            <a:avLst/>
+          </a:prstGeom>
+          <a:noFill/>
+        </p:spPr>
+        <p:txBody>
+          <a:bodyPr wrap="square" rtlCol="0">
+            <a:spAutoFit/>
+          </a:bodyPr>
+          <a:lstStyle/>
+          <a:p>
+            <a:pPr marL="171450" indent="-171450">
+              <a:buFontTx/>
+              <a:buChar char="-"/>
+            </a:pPr>
+            <a:r>
+              <a:rPr lang="en-US" sz="1000" dirty="0"/>
+              <a:t>FIFO</a:t>
+            </a:r>
+          </a:p>
+          <a:p>
+            <a:pPr marL="171450" indent="-171450">
+              <a:buFontTx/>
+              <a:buChar char="-"/>
+            </a:pPr>
+            <a:r>
+              <a:rPr lang="en-US" sz="1000" dirty="0"/>
+              <a:t>Ordered</a:t>
+            </a:r>
+          </a:p>
+        </p:txBody>
+      </p:sp>
+      <p:sp>
+        <p:nvSpPr>
+          <p:cNvPr id="43" name="TextBox 42">
+            <a:extLst>
+              <a:ext uri="{FF2B5EF4-FFF2-40B4-BE49-F238E27FC236}">
+                <a16:creationId xmlns:a16="http://schemas.microsoft.com/office/drawing/2014/main" id="{ACF70569-A008-499F-8B67-390B346D534A}"/>
+              </a:ext>
+            </a:extLst>
+          </p:cNvPr>
+          <p:cNvSpPr txBox="1"/>
+          <p:nvPr/>
+        </p:nvSpPr>
+        <p:spPr>
+          <a:xfrm>
+            <a:off x="10852151" y="2409795"/>
+            <a:ext cx="1289050" cy="246221"/>
+          </a:xfrm>
+          <a:prstGeom prst="rect">
+            <a:avLst/>
+          </a:prstGeom>
+          <a:noFill/>
+        </p:spPr>
+        <p:txBody>
+          <a:bodyPr wrap="square" rtlCol="0">
+            <a:spAutoFit/>
+          </a:bodyPr>
+          <a:lstStyle/>
+          <a:p>
+            <a:r>
+              <a:rPr lang="en-US" sz="1000" dirty="0"/>
+              <a:t>- NULL not allowed</a:t>
+            </a:r>
+          </a:p>
+        </p:txBody>
+      </p:sp>
     </p:spTree>
     <p:extLst>
       <p:ext uri="{BB962C8B-B14F-4D97-AF65-F5344CB8AC3E}">
